--- a/Notes/summer20/Summerpresentation2.pptx
+++ b/Notes/summer20/Summerpresentation2.pptx
@@ -120,6 +120,11 @@
       </a:defRPr>
     </a:lvl9pPr>
   </p:defaultTextStyle>
+  <p:extLst>
+    <p:ext uri="{EFAFB233-063F-42B5-8137-9DF3F51BA10A}">
+      <p15:sldGuideLst xmlns:p15="http://schemas.microsoft.com/office/powerpoint/2012/main"/>
+    </p:ext>
+  </p:extLst>
 </p:presentation>
 </file>
 
@@ -631,14 +636,6 @@
           </a:p>
         </c:rich>
       </c:tx>
-      <c:layout>
-        <c:manualLayout>
-          <c:xMode val="edge"/>
-          <c:yMode val="edge"/>
-          <c:x val="0.15421858832946611"/>
-          <c:y val="3.8692459819589187E-2"/>
-        </c:manualLayout>
-      </c:layout>
       <c:overlay val="0"/>
       <c:spPr>
         <a:noFill/>
@@ -703,12 +700,12 @@
           </c:marker>
           <c:xVal>
             <c:numRef>
-              <c:f>Sheet1!$D$2:$D$6</c:f>
+              <c:f>Sheet1!$D$2:$D$7</c:f>
               <c:numCache>
                 <c:formatCode>General</c:formatCode>
-                <c:ptCount val="5"/>
+                <c:ptCount val="6"/>
                 <c:pt idx="0">
-                  <c:v>0</c:v>
+                  <c:v>3</c:v>
                 </c:pt>
                 <c:pt idx="1">
                   <c:v>5</c:v>
@@ -722,17 +719,20 @@
                 <c:pt idx="4">
                   <c:v>20</c:v>
                 </c:pt>
+                <c:pt idx="5">
+                  <c:v>39</c:v>
+                </c:pt>
               </c:numCache>
             </c:numRef>
           </c:xVal>
           <c:yVal>
             <c:numRef>
-              <c:f>Sheet1!$E$2:$E$6</c:f>
+              <c:f>Sheet1!$E$2:$E$7</c:f>
               <c:numCache>
                 <c:formatCode>General</c:formatCode>
-                <c:ptCount val="5"/>
+                <c:ptCount val="6"/>
                 <c:pt idx="0">
-                  <c:v>0.77800000000000002</c:v>
+                  <c:v>0.86499999999999999</c:v>
                 </c:pt>
                 <c:pt idx="1">
                   <c:v>0.86899999999999999</c:v>
@@ -746,13 +746,16 @@
                 <c:pt idx="4">
                   <c:v>0.82</c:v>
                 </c:pt>
+                <c:pt idx="5">
+                  <c:v>0.77800000000000002</c:v>
+                </c:pt>
               </c:numCache>
             </c:numRef>
           </c:yVal>
           <c:smooth val="0"/>
           <c:extLst>
             <c:ext xmlns:c16="http://schemas.microsoft.com/office/drawing/2014/chart" uri="{C3380CC4-5D6E-409C-BE32-E72D297353CC}">
-              <c16:uniqueId val="{00000000-6A82-6B4D-AA45-35F6B5120CA4}"/>
+              <c16:uniqueId val="{00000000-F002-5A4E-BE5A-29055083EC1B}"/>
             </c:ext>
           </c:extLst>
         </c:ser>
@@ -1151,20 +1154,23 @@
           </c:marker>
           <c:xVal>
             <c:numRef>
-              <c:f>Sheet1!$G$2:$G$5</c:f>
+              <c:f>Sheet1!$G$2:$G$6</c:f>
               <c:numCache>
-                <c:formatCode>0.00E+00</c:formatCode>
-                <c:ptCount val="4"/>
-                <c:pt idx="0" formatCode="General">
+                <c:formatCode>General</c:formatCode>
+                <c:ptCount val="5"/>
+                <c:pt idx="0">
                   <c:v>0</c:v>
                 </c:pt>
                 <c:pt idx="1">
+                  <c:v>1.8899999999999999E-5</c:v>
+                </c:pt>
+                <c:pt idx="2" formatCode="0.00E+00">
                   <c:v>3.7757494199999999E-5</c:v>
                 </c:pt>
-                <c:pt idx="2" formatCode="General">
+                <c:pt idx="3">
                   <c:v>4.0090233199999998E-5</c:v>
                 </c:pt>
-                <c:pt idx="3">
+                <c:pt idx="4" formatCode="0.00E+00">
                   <c:v>4.1514041499999999E-5</c:v>
                 </c:pt>
               </c:numCache>
@@ -1172,20 +1178,23 @@
           </c:xVal>
           <c:yVal>
             <c:numRef>
-              <c:f>Sheet1!$H$2:$H$5</c:f>
+              <c:f>Sheet1!$H$2:$H$6</c:f>
               <c:numCache>
                 <c:formatCode>General</c:formatCode>
-                <c:ptCount val="4"/>
+                <c:ptCount val="5"/>
                 <c:pt idx="0">
                   <c:v>0.872</c:v>
                 </c:pt>
                 <c:pt idx="1">
+                  <c:v>0.87260000000000004</c:v>
+                </c:pt>
+                <c:pt idx="2">
                   <c:v>0.87309999999999999</c:v>
                 </c:pt>
-                <c:pt idx="2">
+                <c:pt idx="3">
                   <c:v>0.87319999999999998</c:v>
                 </c:pt>
-                <c:pt idx="3">
+                <c:pt idx="4">
                   <c:v>0.873</c:v>
                 </c:pt>
               </c:numCache>
@@ -1194,7 +1203,7 @@
           <c:smooth val="0"/>
           <c:extLst>
             <c:ext xmlns:c16="http://schemas.microsoft.com/office/drawing/2014/chart" uri="{C3380CC4-5D6E-409C-BE32-E72D297353CC}">
-              <c16:uniqueId val="{00000000-8321-0C4A-A90D-B4E60D676E99}"/>
+              <c16:uniqueId val="{00000000-F8E0-5A47-A1AE-272BBD28126A}"/>
             </c:ext>
           </c:extLst>
         </c:ser>
@@ -3301,7 +3310,7 @@
           <a:p>
             <a:fld id="{728CFE39-0FBE-C542-9649-DD42AA96AB3E}" type="datetimeFigureOut">
               <a:rPr lang="en-US" smtClean="0"/>
-              <a:t>7/9/20</a:t>
+              <a:t>7/13/20</a:t>
             </a:fld>
             <a:endParaRPr lang="en-US"/>
           </a:p>
@@ -3471,7 +3480,7 @@
           <a:p>
             <a:fld id="{728CFE39-0FBE-C542-9649-DD42AA96AB3E}" type="datetimeFigureOut">
               <a:rPr lang="en-US" smtClean="0"/>
-              <a:t>7/9/20</a:t>
+              <a:t>7/13/20</a:t>
             </a:fld>
             <a:endParaRPr lang="en-US"/>
           </a:p>
@@ -3651,7 +3660,7 @@
           <a:p>
             <a:fld id="{728CFE39-0FBE-C542-9649-DD42AA96AB3E}" type="datetimeFigureOut">
               <a:rPr lang="en-US" smtClean="0"/>
-              <a:t>7/9/20</a:t>
+              <a:t>7/13/20</a:t>
             </a:fld>
             <a:endParaRPr lang="en-US"/>
           </a:p>
@@ -3821,7 +3830,7 @@
           <a:p>
             <a:fld id="{728CFE39-0FBE-C542-9649-DD42AA96AB3E}" type="datetimeFigureOut">
               <a:rPr lang="en-US" smtClean="0"/>
-              <a:t>7/9/20</a:t>
+              <a:t>7/13/20</a:t>
             </a:fld>
             <a:endParaRPr lang="en-US"/>
           </a:p>
@@ -4081,7 +4090,7 @@
           <a:p>
             <a:fld id="{728CFE39-0FBE-C542-9649-DD42AA96AB3E}" type="datetimeFigureOut">
               <a:rPr lang="en-US" smtClean="0"/>
-              <a:t>7/9/20</a:t>
+              <a:t>7/13/20</a:t>
             </a:fld>
             <a:endParaRPr lang="en-US"/>
           </a:p>
@@ -4313,7 +4322,7 @@
           <a:p>
             <a:fld id="{728CFE39-0FBE-C542-9649-DD42AA96AB3E}" type="datetimeFigureOut">
               <a:rPr lang="en-US" smtClean="0"/>
-              <a:t>7/9/20</a:t>
+              <a:t>7/13/20</a:t>
             </a:fld>
             <a:endParaRPr lang="en-US"/>
           </a:p>
@@ -4668,7 +4677,7 @@
           <a:p>
             <a:fld id="{728CFE39-0FBE-C542-9649-DD42AA96AB3E}" type="datetimeFigureOut">
               <a:rPr lang="en-US" smtClean="0"/>
-              <a:t>7/9/20</a:t>
+              <a:t>7/13/20</a:t>
             </a:fld>
             <a:endParaRPr lang="en-US"/>
           </a:p>
@@ -4809,7 +4818,7 @@
           <a:p>
             <a:fld id="{728CFE39-0FBE-C542-9649-DD42AA96AB3E}" type="datetimeFigureOut">
               <a:rPr lang="en-US" smtClean="0"/>
-              <a:t>7/9/20</a:t>
+              <a:t>7/13/20</a:t>
             </a:fld>
             <a:endParaRPr lang="en-US"/>
           </a:p>
@@ -4904,7 +4913,7 @@
           <a:p>
             <a:fld id="{728CFE39-0FBE-C542-9649-DD42AA96AB3E}" type="datetimeFigureOut">
               <a:rPr lang="en-US" smtClean="0"/>
-              <a:t>7/9/20</a:t>
+              <a:t>7/13/20</a:t>
             </a:fld>
             <a:endParaRPr lang="en-US"/>
           </a:p>
@@ -5261,7 +5270,7 @@
           <a:p>
             <a:fld id="{728CFE39-0FBE-C542-9649-DD42AA96AB3E}" type="datetimeFigureOut">
               <a:rPr lang="en-US" smtClean="0"/>
-              <a:t>7/9/20</a:t>
+              <a:t>7/13/20</a:t>
             </a:fld>
             <a:endParaRPr lang="en-US"/>
           </a:p>
@@ -5579,7 +5588,7 @@
           <a:p>
             <a:fld id="{728CFE39-0FBE-C542-9649-DD42AA96AB3E}" type="datetimeFigureOut">
               <a:rPr lang="en-US" smtClean="0"/>
-              <a:t>7/9/20</a:t>
+              <a:t>7/13/20</a:t>
             </a:fld>
             <a:endParaRPr lang="en-US"/>
           </a:p>
@@ -5824,7 +5833,7 @@
           <a:p>
             <a:fld id="{728CFE39-0FBE-C542-9649-DD42AA96AB3E}" type="datetimeFigureOut">
               <a:rPr lang="en-US" smtClean="0"/>
-              <a:t>7/9/20</a:t>
+              <a:t>7/13/20</a:t>
             </a:fld>
             <a:endParaRPr lang="en-US"/>
           </a:p>
@@ -6807,7 +6816,7 @@
       </p:sp>
       <p:graphicFrame>
         <p:nvGraphicFramePr>
-          <p:cNvPr id="7" name="Content Placeholder 6">
+          <p:cNvPr id="6" name="Chart 5">
             <a:extLst>
               <a:ext uri="{FF2B5EF4-FFF2-40B4-BE49-F238E27FC236}">
                 <a16:creationId xmlns:a16="http://schemas.microsoft.com/office/drawing/2014/main" id="{A7A62615-AD90-1F43-AFC5-C07322CE6169}"/>
@@ -6815,20 +6824,19 @@
             </a:extLst>
           </p:cNvPr>
           <p:cNvGraphicFramePr>
-            <a:graphicFrameLocks noGrp="1"/>
+            <a:graphicFrameLocks/>
           </p:cNvGraphicFramePr>
           <p:nvPr>
-            <p:ph idx="1"/>
             <p:extLst>
               <p:ext uri="{D42A27DB-BD31-4B8C-83A1-F6EECF244321}">
-                <p14:modId xmlns:p14="http://schemas.microsoft.com/office/powerpoint/2010/main" val="668532401"/>
+                <p14:modId xmlns:p14="http://schemas.microsoft.com/office/powerpoint/2010/main" val="2709733946"/>
               </p:ext>
             </p:extLst>
           </p:nvPr>
         </p:nvGraphicFramePr>
         <p:xfrm>
-          <a:off x="5619750" y="965200"/>
-          <a:ext cx="5607050" cy="4927600"/>
+          <a:off x="5582753" y="843192"/>
+          <a:ext cx="5600112" cy="5171616"/>
         </p:xfrm>
         <a:graphic>
           <a:graphicData uri="http://schemas.openxmlformats.org/drawingml/2006/chart">
@@ -8029,7 +8037,7 @@
                   <a:srgbClr val="404040"/>
                 </a:solidFill>
               </a:rPr>
-              <a:t>The average AUC for all K-1 sets was : 0.729 with a standard deviation of 0.027. </a:t>
+              <a:t>The average AUC for all K-fold sets was : 0.729 with a standard deviation of 0.027. </a:t>
             </a:r>
           </a:p>
           <a:p>
@@ -8687,36 +8695,6 @@
           </a:p>
         </p:txBody>
       </p:sp>
-      <p:graphicFrame>
-        <p:nvGraphicFramePr>
-          <p:cNvPr id="4" name="Chart 3">
-            <a:extLst>
-              <a:ext uri="{FF2B5EF4-FFF2-40B4-BE49-F238E27FC236}">
-                <a16:creationId xmlns:a16="http://schemas.microsoft.com/office/drawing/2014/main" id="{AEEAC4F8-3BF3-E440-9F80-6855DA8B7E45}"/>
-              </a:ext>
-            </a:extLst>
-          </p:cNvPr>
-          <p:cNvGraphicFramePr>
-            <a:graphicFrameLocks/>
-          </p:cNvGraphicFramePr>
-          <p:nvPr>
-            <p:extLst>
-              <p:ext uri="{D42A27DB-BD31-4B8C-83A1-F6EECF244321}">
-                <p14:modId xmlns:p14="http://schemas.microsoft.com/office/powerpoint/2010/main" val="33818176"/>
-              </p:ext>
-            </p:extLst>
-          </p:nvPr>
-        </p:nvGraphicFramePr>
-        <p:xfrm>
-          <a:off x="6326660" y="2418958"/>
-          <a:ext cx="5144529" cy="3662419"/>
-        </p:xfrm>
-        <a:graphic>
-          <a:graphicData uri="http://schemas.openxmlformats.org/drawingml/2006/chart">
-            <c:chart xmlns:c="http://schemas.openxmlformats.org/drawingml/2006/chart" xmlns:r="http://schemas.openxmlformats.org/officeDocument/2006/relationships" r:id="rId2"/>
-          </a:graphicData>
-        </a:graphic>
-      </p:graphicFrame>
       <p:pic>
         <p:nvPicPr>
           <p:cNvPr id="8" name="Picture 7" descr="A picture containing text, map&#10;&#10;Description automatically generated">
@@ -8732,7 +8710,7 @@
           <p:nvPr/>
         </p:nvPicPr>
         <p:blipFill rotWithShape="1">
-          <a:blip r:embed="rId3"/>
+          <a:blip r:embed="rId2"/>
           <a:srcRect l="39359" b="2293"/>
           <a:stretch/>
         </p:blipFill>
@@ -8784,6 +8762,36 @@
           </a:p>
         </p:txBody>
       </p:sp>
+      <p:graphicFrame>
+        <p:nvGraphicFramePr>
+          <p:cNvPr id="7" name="Chart 6">
+            <a:extLst>
+              <a:ext uri="{FF2B5EF4-FFF2-40B4-BE49-F238E27FC236}">
+                <a16:creationId xmlns:a16="http://schemas.microsoft.com/office/drawing/2014/main" id="{AEEAC4F8-3BF3-E440-9F80-6855DA8B7E45}"/>
+              </a:ext>
+            </a:extLst>
+          </p:cNvPr>
+          <p:cNvGraphicFramePr>
+            <a:graphicFrameLocks/>
+          </p:cNvGraphicFramePr>
+          <p:nvPr>
+            <p:extLst>
+              <p:ext uri="{D42A27DB-BD31-4B8C-83A1-F6EECF244321}">
+                <p14:modId xmlns:p14="http://schemas.microsoft.com/office/powerpoint/2010/main" val="3823275744"/>
+              </p:ext>
+            </p:extLst>
+          </p:nvPr>
+        </p:nvGraphicFramePr>
+        <p:xfrm>
+          <a:off x="6746788" y="3083590"/>
+          <a:ext cx="4942703" cy="3354280"/>
+        </p:xfrm>
+        <a:graphic>
+          <a:graphicData uri="http://schemas.openxmlformats.org/drawingml/2006/chart">
+            <c:chart xmlns:c="http://schemas.openxmlformats.org/drawingml/2006/chart" xmlns:r="http://schemas.openxmlformats.org/officeDocument/2006/relationships" r:id="rId3"/>
+          </a:graphicData>
+        </a:graphic>
+      </p:graphicFrame>
     </p:spTree>
     <p:extLst>
       <p:ext uri="{BB962C8B-B14F-4D97-AF65-F5344CB8AC3E}">
